--- a/TDD.pptx
+++ b/TDD.pptx
@@ -8,8 +8,8 @@
     <p:sldId id="256" r:id="rId2"/>
     <p:sldId id="257" r:id="rId3"/>
     <p:sldId id="258" r:id="rId4"/>
-    <p:sldId id="259" r:id="rId5"/>
-    <p:sldId id="260" r:id="rId6"/>
+    <p:sldId id="260" r:id="rId5"/>
+    <p:sldId id="259" r:id="rId6"/>
   </p:sldIdLst>
   <p:sldSz cx="12192000" cy="6858000"/>
   <p:notesSz cx="6858000" cy="9144000"/>
@@ -3747,7 +3747,7 @@
           <a:p>
             <a:fld id="{99767A2C-5EB9-6144-B413-E9505F6524F1}" type="datetimeFigureOut">
               <a:rPr lang="en-DE" smtClean="0"/>
-              <a:t>26.06.22</a:t>
+              <a:t>04.07.22</a:t>
             </a:fld>
             <a:endParaRPr lang="en-DE"/>
           </a:p>
@@ -3947,7 +3947,7 @@
           <a:p>
             <a:fld id="{99767A2C-5EB9-6144-B413-E9505F6524F1}" type="datetimeFigureOut">
               <a:rPr lang="en-DE" smtClean="0"/>
-              <a:t>26.06.22</a:t>
+              <a:t>04.07.22</a:t>
             </a:fld>
             <a:endParaRPr lang="en-DE"/>
           </a:p>
@@ -4157,7 +4157,7 @@
           <a:p>
             <a:fld id="{99767A2C-5EB9-6144-B413-E9505F6524F1}" type="datetimeFigureOut">
               <a:rPr lang="en-DE" smtClean="0"/>
-              <a:t>26.06.22</a:t>
+              <a:t>04.07.22</a:t>
             </a:fld>
             <a:endParaRPr lang="en-DE"/>
           </a:p>
@@ -4357,7 +4357,7 @@
           <a:p>
             <a:fld id="{99767A2C-5EB9-6144-B413-E9505F6524F1}" type="datetimeFigureOut">
               <a:rPr lang="en-DE" smtClean="0"/>
-              <a:t>26.06.22</a:t>
+              <a:t>04.07.22</a:t>
             </a:fld>
             <a:endParaRPr lang="en-DE"/>
           </a:p>
@@ -4633,7 +4633,7 @@
           <a:p>
             <a:fld id="{99767A2C-5EB9-6144-B413-E9505F6524F1}" type="datetimeFigureOut">
               <a:rPr lang="en-DE" smtClean="0"/>
-              <a:t>26.06.22</a:t>
+              <a:t>04.07.22</a:t>
             </a:fld>
             <a:endParaRPr lang="en-DE"/>
           </a:p>
@@ -4901,7 +4901,7 @@
           <a:p>
             <a:fld id="{99767A2C-5EB9-6144-B413-E9505F6524F1}" type="datetimeFigureOut">
               <a:rPr lang="en-DE" smtClean="0"/>
-              <a:t>26.06.22</a:t>
+              <a:t>04.07.22</a:t>
             </a:fld>
             <a:endParaRPr lang="en-DE"/>
           </a:p>
@@ -5316,7 +5316,7 @@
           <a:p>
             <a:fld id="{99767A2C-5EB9-6144-B413-E9505F6524F1}" type="datetimeFigureOut">
               <a:rPr lang="en-DE" smtClean="0"/>
-              <a:t>26.06.22</a:t>
+              <a:t>04.07.22</a:t>
             </a:fld>
             <a:endParaRPr lang="en-DE"/>
           </a:p>
@@ -5458,7 +5458,7 @@
           <a:p>
             <a:fld id="{99767A2C-5EB9-6144-B413-E9505F6524F1}" type="datetimeFigureOut">
               <a:rPr lang="en-DE" smtClean="0"/>
-              <a:t>26.06.22</a:t>
+              <a:t>04.07.22</a:t>
             </a:fld>
             <a:endParaRPr lang="en-DE"/>
           </a:p>
@@ -5571,7 +5571,7 @@
           <a:p>
             <a:fld id="{99767A2C-5EB9-6144-B413-E9505F6524F1}" type="datetimeFigureOut">
               <a:rPr lang="en-DE" smtClean="0"/>
-              <a:t>26.06.22</a:t>
+              <a:t>04.07.22</a:t>
             </a:fld>
             <a:endParaRPr lang="en-DE"/>
           </a:p>
@@ -5884,7 +5884,7 @@
           <a:p>
             <a:fld id="{99767A2C-5EB9-6144-B413-E9505F6524F1}" type="datetimeFigureOut">
               <a:rPr lang="en-DE" smtClean="0"/>
-              <a:t>26.06.22</a:t>
+              <a:t>04.07.22</a:t>
             </a:fld>
             <a:endParaRPr lang="en-DE"/>
           </a:p>
@@ -6173,7 +6173,7 @@
           <a:p>
             <a:fld id="{99767A2C-5EB9-6144-B413-E9505F6524F1}" type="datetimeFigureOut">
               <a:rPr lang="en-DE" smtClean="0"/>
-              <a:t>26.06.22</a:t>
+              <a:t>04.07.22</a:t>
             </a:fld>
             <a:endParaRPr lang="en-DE"/>
           </a:p>
@@ -6416,7 +6416,7 @@
           <a:p>
             <a:fld id="{99767A2C-5EB9-6144-B413-E9505F6524F1}" type="datetimeFigureOut">
               <a:rPr lang="en-DE" smtClean="0"/>
-              <a:t>26.06.22</a:t>
+              <a:t>04.07.22</a:t>
             </a:fld>
             <a:endParaRPr lang="en-DE"/>
           </a:p>
@@ -8905,19 +8905,19 @@
           <a:lstStyle/>
           <a:p>
             <a:r>
-              <a:rPr lang="en-DE" sz="2400"/>
+              <a:rPr lang="en-DE" sz="2400" dirty="0"/>
               <a:t>Write no production code until you have first written a test that fails due to the lack of that production code.</a:t>
             </a:r>
           </a:p>
           <a:p>
             <a:r>
-              <a:rPr lang="en-DE" sz="2400"/>
+              <a:rPr lang="en-DE" sz="2400" dirty="0"/>
               <a:t>Write no more of a test than is sufficient to fail or fail to compile. Resoleve the failure by writing some production code</a:t>
             </a:r>
           </a:p>
           <a:p>
             <a:r>
-              <a:rPr lang="en-DE" sz="2400"/>
+              <a:rPr lang="en-DE" sz="2400" dirty="0"/>
               <a:t>Write no more production code than will resolve the currently failing test. Once the test passes write more test code.</a:t>
             </a:r>
           </a:p>
@@ -8937,245 +8937,6 @@
 </file>
 
 <file path=ppt/slides/slide4.xml><?xml version="1.0" encoding="utf-8"?>
-<p:sld xmlns:a="http://schemas.openxmlformats.org/drawingml/2006/main" xmlns:r="http://schemas.openxmlformats.org/officeDocument/2006/relationships" xmlns:p="http://schemas.openxmlformats.org/presentationml/2006/main">
-  <p:cSld>
-    <p:bg>
-      <p:bgPr>
-        <a:solidFill>
-          <a:schemeClr val="bg1"/>
-        </a:solidFill>
-        <a:effectLst/>
-      </p:bgPr>
-    </p:bg>
-    <p:spTree>
-      <p:nvGrpSpPr>
-        <p:cNvPr id="1" name=""/>
-        <p:cNvGrpSpPr/>
-        <p:nvPr/>
-      </p:nvGrpSpPr>
-      <p:grpSpPr>
-        <a:xfrm>
-          <a:off x="0" y="0"/>
-          <a:ext cx="0" cy="0"/>
-          <a:chOff x="0" y="0"/>
-          <a:chExt cx="0" cy="0"/>
-        </a:xfrm>
-      </p:grpSpPr>
-      <p:sp>
-        <p:nvSpPr>
-          <p:cNvPr id="9" name="Rectangle 8">
-            <a:extLst>
-              <a:ext uri="{FF2B5EF4-FFF2-40B4-BE49-F238E27FC236}">
-                <a16:creationId xmlns:a16="http://schemas.microsoft.com/office/drawing/2014/main" id="{AE2B703B-46F9-481A-A605-82E2A828C4FA}"/>
-              </a:ext>
-              <a:ext uri="{C183D7F6-B498-43B3-948B-1728B52AA6E4}">
-                <adec:decorative xmlns:adec="http://schemas.microsoft.com/office/drawing/2017/decorative" val="1"/>
-              </a:ext>
-            </a:extLst>
-          </p:cNvPr>
-          <p:cNvSpPr>
-            <a:spLocks noGrp="1" noRot="1" noChangeAspect="1" noMove="1" noResize="1" noEditPoints="1" noAdjustHandles="1" noChangeArrowheads="1" noChangeShapeType="1" noTextEdit="1"/>
-          </p:cNvSpPr>
-          <p:nvPr>
-            <p:extLst>
-              <p:ext uri="{386F3935-93C4-4BCD-93E2-E3B085C9AB24}">
-                <p16:designElem xmlns:p16="http://schemas.microsoft.com/office/powerpoint/2015/main" val="1"/>
-              </p:ext>
-            </p:extLst>
-          </p:nvPr>
-        </p:nvSpPr>
-        <p:spPr>
-          <a:xfrm>
-            <a:off x="0" y="0"/>
-            <a:ext cx="12192000" cy="6858000"/>
-          </a:xfrm>
-          <a:prstGeom prst="rect">
-            <a:avLst/>
-          </a:prstGeom>
-          <a:solidFill>
-            <a:schemeClr val="accent2"/>
-          </a:solidFill>
-          <a:ln>
-            <a:noFill/>
-          </a:ln>
-        </p:spPr>
-        <p:style>
-          <a:lnRef idx="2">
-            <a:schemeClr val="accent1">
-              <a:shade val="50000"/>
-            </a:schemeClr>
-          </a:lnRef>
-          <a:fillRef idx="1">
-            <a:schemeClr val="accent1"/>
-          </a:fillRef>
-          <a:effectRef idx="0">
-            <a:schemeClr val="accent1"/>
-          </a:effectRef>
-          <a:fontRef idx="minor">
-            <a:schemeClr val="lt1"/>
-          </a:fontRef>
-        </p:style>
-        <p:txBody>
-          <a:bodyPr rtlCol="0" anchor="ctr"/>
-          <a:lstStyle/>
-          <a:p>
-            <a:pPr algn="ctr"/>
-            <a:endParaRPr lang="en-US"/>
-          </a:p>
-        </p:txBody>
-      </p:sp>
-      <p:sp>
-        <p:nvSpPr>
-          <p:cNvPr id="2" name="Title 1">
-            <a:extLst>
-              <a:ext uri="{FF2B5EF4-FFF2-40B4-BE49-F238E27FC236}">
-                <a16:creationId xmlns:a16="http://schemas.microsoft.com/office/drawing/2014/main" id="{F9843330-1581-A4E1-9D02-D9F852E3ADCD}"/>
-              </a:ext>
-            </a:extLst>
-          </p:cNvPr>
-          <p:cNvSpPr>
-            <a:spLocks noGrp="1"/>
-          </p:cNvSpPr>
-          <p:nvPr>
-            <p:ph type="title"/>
-          </p:nvPr>
-        </p:nvSpPr>
-        <p:spPr>
-          <a:xfrm>
-            <a:off x="838200" y="459863"/>
-            <a:ext cx="10515600" cy="1004594"/>
-          </a:xfrm>
-        </p:spPr>
-        <p:txBody>
-          <a:bodyPr>
-            <a:normAutofit/>
-          </a:bodyPr>
-          <a:lstStyle/>
-          <a:p>
-            <a:pPr algn="ctr"/>
-            <a:r>
-              <a:rPr lang="en-DE">
-                <a:solidFill>
-                  <a:srgbClr val="FFFFFF"/>
-                </a:solidFill>
-              </a:rPr>
-              <a:t>Benifits</a:t>
-            </a:r>
-          </a:p>
-        </p:txBody>
-      </p:sp>
-      <p:sp>
-        <p:nvSpPr>
-          <p:cNvPr id="11" name="Rectangle: Rounded Corners 10">
-            <a:extLst>
-              <a:ext uri="{FF2B5EF4-FFF2-40B4-BE49-F238E27FC236}">
-                <a16:creationId xmlns:a16="http://schemas.microsoft.com/office/drawing/2014/main" id="{F13BE4D7-0C3D-4906-B230-A1C5B4665CCF}"/>
-              </a:ext>
-              <a:ext uri="{C183D7F6-B498-43B3-948B-1728B52AA6E4}">
-                <adec:decorative xmlns:adec="http://schemas.microsoft.com/office/drawing/2017/decorative" val="1"/>
-              </a:ext>
-            </a:extLst>
-          </p:cNvPr>
-          <p:cNvSpPr>
-            <a:spLocks noGrp="1" noRot="1" noChangeAspect="1" noMove="1" noResize="1" noEditPoints="1" noAdjustHandles="1" noChangeArrowheads="1" noChangeShapeType="1" noTextEdit="1"/>
-          </p:cNvSpPr>
-          <p:nvPr>
-            <p:extLst>
-              <p:ext uri="{386F3935-93C4-4BCD-93E2-E3B085C9AB24}">
-                <p16:designElem xmlns:p16="http://schemas.microsoft.com/office/powerpoint/2015/main" val="1"/>
-              </p:ext>
-            </p:extLst>
-          </p:nvPr>
-        </p:nvSpPr>
-        <p:spPr>
-          <a:xfrm>
-            <a:off x="579496" y="1587970"/>
-            <a:ext cx="11033008" cy="4768380"/>
-          </a:xfrm>
-          <a:prstGeom prst="roundRect">
-            <a:avLst>
-              <a:gd name="adj" fmla="val 3174"/>
-            </a:avLst>
-          </a:prstGeom>
-          <a:solidFill>
-            <a:schemeClr val="bg1">
-              <a:alpha val="95000"/>
-            </a:schemeClr>
-          </a:solidFill>
-          <a:ln>
-            <a:noFill/>
-          </a:ln>
-        </p:spPr>
-        <p:style>
-          <a:lnRef idx="2">
-            <a:schemeClr val="accent1">
-              <a:shade val="50000"/>
-            </a:schemeClr>
-          </a:lnRef>
-          <a:fillRef idx="1">
-            <a:schemeClr val="accent1"/>
-          </a:fillRef>
-          <a:effectRef idx="0">
-            <a:schemeClr val="accent1"/>
-          </a:effectRef>
-          <a:fontRef idx="minor">
-            <a:schemeClr val="lt1"/>
-          </a:fontRef>
-        </p:style>
-        <p:txBody>
-          <a:bodyPr rtlCol="0" anchor="ctr"/>
-          <a:lstStyle/>
-          <a:p>
-            <a:pPr algn="ctr"/>
-            <a:endParaRPr lang="en-US"/>
-          </a:p>
-        </p:txBody>
-      </p:sp>
-      <p:graphicFrame>
-        <p:nvGraphicFramePr>
-          <p:cNvPr id="5" name="Content Placeholder 2">
-            <a:extLst>
-              <a:ext uri="{FF2B5EF4-FFF2-40B4-BE49-F238E27FC236}">
-                <a16:creationId xmlns:a16="http://schemas.microsoft.com/office/drawing/2014/main" id="{C986CB1A-6ED2-2F33-F770-3908B7F8182D}"/>
-              </a:ext>
-            </a:extLst>
-          </p:cNvPr>
-          <p:cNvGraphicFramePr>
-            <a:graphicFrameLocks noGrp="1"/>
-          </p:cNvGraphicFramePr>
-          <p:nvPr>
-            <p:ph idx="1"/>
-            <p:extLst>
-              <p:ext uri="{D42A27DB-BD31-4B8C-83A1-F6EECF244321}">
-                <p14:modId xmlns:p14="http://schemas.microsoft.com/office/powerpoint/2010/main" val="3219337828"/>
-              </p:ext>
-            </p:extLst>
-          </p:nvPr>
-        </p:nvGraphicFramePr>
-        <p:xfrm>
-          <a:off x="838200" y="1800911"/>
-          <a:ext cx="10515600" cy="4351338"/>
-        </p:xfrm>
-        <a:graphic>
-          <a:graphicData uri="http://schemas.openxmlformats.org/drawingml/2006/diagram">
-            <dgm:relIds xmlns:dgm="http://schemas.openxmlformats.org/drawingml/2006/diagram" xmlns:r="http://schemas.openxmlformats.org/officeDocument/2006/relationships" r:dm="rId2" r:lo="rId3" r:qs="rId4" r:cs="rId5"/>
-          </a:graphicData>
-        </a:graphic>
-      </p:graphicFrame>
-    </p:spTree>
-    <p:extLst>
-      <p:ext uri="{BB962C8B-B14F-4D97-AF65-F5344CB8AC3E}">
-        <p14:creationId xmlns:p14="http://schemas.microsoft.com/office/powerpoint/2010/main" val="2384874842"/>
-      </p:ext>
-    </p:extLst>
-  </p:cSld>
-  <p:clrMapOvr>
-    <a:masterClrMapping/>
-  </p:clrMapOvr>
-</p:sld>
-</file>
-
-<file path=ppt/slides/slide5.xml><?xml version="1.0" encoding="utf-8"?>
 <p:sld xmlns:a="http://schemas.openxmlformats.org/drawingml/2006/main" xmlns:r="http://schemas.openxmlformats.org/officeDocument/2006/relationships" xmlns:p="http://schemas.openxmlformats.org/presentationml/2006/main">
   <p:cSld>
     <p:bg>
@@ -9551,6 +9312,245 @@
     <p:extLst>
       <p:ext uri="{BB962C8B-B14F-4D97-AF65-F5344CB8AC3E}">
         <p14:creationId xmlns:p14="http://schemas.microsoft.com/office/powerpoint/2010/main" val="2002433274"/>
+      </p:ext>
+    </p:extLst>
+  </p:cSld>
+  <p:clrMapOvr>
+    <a:masterClrMapping/>
+  </p:clrMapOvr>
+</p:sld>
+</file>
+
+<file path=ppt/slides/slide5.xml><?xml version="1.0" encoding="utf-8"?>
+<p:sld xmlns:a="http://schemas.openxmlformats.org/drawingml/2006/main" xmlns:r="http://schemas.openxmlformats.org/officeDocument/2006/relationships" xmlns:p="http://schemas.openxmlformats.org/presentationml/2006/main">
+  <p:cSld>
+    <p:bg>
+      <p:bgPr>
+        <a:solidFill>
+          <a:schemeClr val="bg1"/>
+        </a:solidFill>
+        <a:effectLst/>
+      </p:bgPr>
+    </p:bg>
+    <p:spTree>
+      <p:nvGrpSpPr>
+        <p:cNvPr id="1" name=""/>
+        <p:cNvGrpSpPr/>
+        <p:nvPr/>
+      </p:nvGrpSpPr>
+      <p:grpSpPr>
+        <a:xfrm>
+          <a:off x="0" y="0"/>
+          <a:ext cx="0" cy="0"/>
+          <a:chOff x="0" y="0"/>
+          <a:chExt cx="0" cy="0"/>
+        </a:xfrm>
+      </p:grpSpPr>
+      <p:sp>
+        <p:nvSpPr>
+          <p:cNvPr id="9" name="Rectangle 8">
+            <a:extLst>
+              <a:ext uri="{FF2B5EF4-FFF2-40B4-BE49-F238E27FC236}">
+                <a16:creationId xmlns:a16="http://schemas.microsoft.com/office/drawing/2014/main" id="{AE2B703B-46F9-481A-A605-82E2A828C4FA}"/>
+              </a:ext>
+              <a:ext uri="{C183D7F6-B498-43B3-948B-1728B52AA6E4}">
+                <adec:decorative xmlns:adec="http://schemas.microsoft.com/office/drawing/2017/decorative" val="1"/>
+              </a:ext>
+            </a:extLst>
+          </p:cNvPr>
+          <p:cNvSpPr>
+            <a:spLocks noGrp="1" noRot="1" noChangeAspect="1" noMove="1" noResize="1" noEditPoints="1" noAdjustHandles="1" noChangeArrowheads="1" noChangeShapeType="1" noTextEdit="1"/>
+          </p:cNvSpPr>
+          <p:nvPr>
+            <p:extLst>
+              <p:ext uri="{386F3935-93C4-4BCD-93E2-E3B085C9AB24}">
+                <p16:designElem xmlns:p16="http://schemas.microsoft.com/office/powerpoint/2015/main" val="1"/>
+              </p:ext>
+            </p:extLst>
+          </p:nvPr>
+        </p:nvSpPr>
+        <p:spPr>
+          <a:xfrm>
+            <a:off x="0" y="0"/>
+            <a:ext cx="12192000" cy="6858000"/>
+          </a:xfrm>
+          <a:prstGeom prst="rect">
+            <a:avLst/>
+          </a:prstGeom>
+          <a:solidFill>
+            <a:schemeClr val="accent2"/>
+          </a:solidFill>
+          <a:ln>
+            <a:noFill/>
+          </a:ln>
+        </p:spPr>
+        <p:style>
+          <a:lnRef idx="2">
+            <a:schemeClr val="accent1">
+              <a:shade val="50000"/>
+            </a:schemeClr>
+          </a:lnRef>
+          <a:fillRef idx="1">
+            <a:schemeClr val="accent1"/>
+          </a:fillRef>
+          <a:effectRef idx="0">
+            <a:schemeClr val="accent1"/>
+          </a:effectRef>
+          <a:fontRef idx="minor">
+            <a:schemeClr val="lt1"/>
+          </a:fontRef>
+        </p:style>
+        <p:txBody>
+          <a:bodyPr rtlCol="0" anchor="ctr"/>
+          <a:lstStyle/>
+          <a:p>
+            <a:pPr algn="ctr"/>
+            <a:endParaRPr lang="en-US"/>
+          </a:p>
+        </p:txBody>
+      </p:sp>
+      <p:sp>
+        <p:nvSpPr>
+          <p:cNvPr id="2" name="Title 1">
+            <a:extLst>
+              <a:ext uri="{FF2B5EF4-FFF2-40B4-BE49-F238E27FC236}">
+                <a16:creationId xmlns:a16="http://schemas.microsoft.com/office/drawing/2014/main" id="{F9843330-1581-A4E1-9D02-D9F852E3ADCD}"/>
+              </a:ext>
+            </a:extLst>
+          </p:cNvPr>
+          <p:cNvSpPr>
+            <a:spLocks noGrp="1"/>
+          </p:cNvSpPr>
+          <p:nvPr>
+            <p:ph type="title"/>
+          </p:nvPr>
+        </p:nvSpPr>
+        <p:spPr>
+          <a:xfrm>
+            <a:off x="838200" y="459863"/>
+            <a:ext cx="10515600" cy="1004594"/>
+          </a:xfrm>
+        </p:spPr>
+        <p:txBody>
+          <a:bodyPr>
+            <a:normAutofit/>
+          </a:bodyPr>
+          <a:lstStyle/>
+          <a:p>
+            <a:pPr algn="ctr"/>
+            <a:r>
+              <a:rPr lang="en-DE">
+                <a:solidFill>
+                  <a:srgbClr val="FFFFFF"/>
+                </a:solidFill>
+              </a:rPr>
+              <a:t>Benifits</a:t>
+            </a:r>
+          </a:p>
+        </p:txBody>
+      </p:sp>
+      <p:sp>
+        <p:nvSpPr>
+          <p:cNvPr id="11" name="Rectangle: Rounded Corners 10">
+            <a:extLst>
+              <a:ext uri="{FF2B5EF4-FFF2-40B4-BE49-F238E27FC236}">
+                <a16:creationId xmlns:a16="http://schemas.microsoft.com/office/drawing/2014/main" id="{F13BE4D7-0C3D-4906-B230-A1C5B4665CCF}"/>
+              </a:ext>
+              <a:ext uri="{C183D7F6-B498-43B3-948B-1728B52AA6E4}">
+                <adec:decorative xmlns:adec="http://schemas.microsoft.com/office/drawing/2017/decorative" val="1"/>
+              </a:ext>
+            </a:extLst>
+          </p:cNvPr>
+          <p:cNvSpPr>
+            <a:spLocks noGrp="1" noRot="1" noChangeAspect="1" noMove="1" noResize="1" noEditPoints="1" noAdjustHandles="1" noChangeArrowheads="1" noChangeShapeType="1" noTextEdit="1"/>
+          </p:cNvSpPr>
+          <p:nvPr>
+            <p:extLst>
+              <p:ext uri="{386F3935-93C4-4BCD-93E2-E3B085C9AB24}">
+                <p16:designElem xmlns:p16="http://schemas.microsoft.com/office/powerpoint/2015/main" val="1"/>
+              </p:ext>
+            </p:extLst>
+          </p:nvPr>
+        </p:nvSpPr>
+        <p:spPr>
+          <a:xfrm>
+            <a:off x="579496" y="1587970"/>
+            <a:ext cx="11033008" cy="4768380"/>
+          </a:xfrm>
+          <a:prstGeom prst="roundRect">
+            <a:avLst>
+              <a:gd name="adj" fmla="val 3174"/>
+            </a:avLst>
+          </a:prstGeom>
+          <a:solidFill>
+            <a:schemeClr val="bg1">
+              <a:alpha val="95000"/>
+            </a:schemeClr>
+          </a:solidFill>
+          <a:ln>
+            <a:noFill/>
+          </a:ln>
+        </p:spPr>
+        <p:style>
+          <a:lnRef idx="2">
+            <a:schemeClr val="accent1">
+              <a:shade val="50000"/>
+            </a:schemeClr>
+          </a:lnRef>
+          <a:fillRef idx="1">
+            <a:schemeClr val="accent1"/>
+          </a:fillRef>
+          <a:effectRef idx="0">
+            <a:schemeClr val="accent1"/>
+          </a:effectRef>
+          <a:fontRef idx="minor">
+            <a:schemeClr val="lt1"/>
+          </a:fontRef>
+        </p:style>
+        <p:txBody>
+          <a:bodyPr rtlCol="0" anchor="ctr"/>
+          <a:lstStyle/>
+          <a:p>
+            <a:pPr algn="ctr"/>
+            <a:endParaRPr lang="en-US"/>
+          </a:p>
+        </p:txBody>
+      </p:sp>
+      <p:graphicFrame>
+        <p:nvGraphicFramePr>
+          <p:cNvPr id="5" name="Content Placeholder 2">
+            <a:extLst>
+              <a:ext uri="{FF2B5EF4-FFF2-40B4-BE49-F238E27FC236}">
+                <a16:creationId xmlns:a16="http://schemas.microsoft.com/office/drawing/2014/main" id="{C986CB1A-6ED2-2F33-F770-3908B7F8182D}"/>
+              </a:ext>
+            </a:extLst>
+          </p:cNvPr>
+          <p:cNvGraphicFramePr>
+            <a:graphicFrameLocks noGrp="1"/>
+          </p:cNvGraphicFramePr>
+          <p:nvPr>
+            <p:ph idx="1"/>
+            <p:extLst>
+              <p:ext uri="{D42A27DB-BD31-4B8C-83A1-F6EECF244321}">
+                <p14:modId xmlns:p14="http://schemas.microsoft.com/office/powerpoint/2010/main" val="3219337828"/>
+              </p:ext>
+            </p:extLst>
+          </p:nvPr>
+        </p:nvGraphicFramePr>
+        <p:xfrm>
+          <a:off x="838200" y="1800911"/>
+          <a:ext cx="10515600" cy="4351338"/>
+        </p:xfrm>
+        <a:graphic>
+          <a:graphicData uri="http://schemas.openxmlformats.org/drawingml/2006/diagram">
+            <dgm:relIds xmlns:dgm="http://schemas.openxmlformats.org/drawingml/2006/diagram" xmlns:r="http://schemas.openxmlformats.org/officeDocument/2006/relationships" r:dm="rId2" r:lo="rId3" r:qs="rId4" r:cs="rId5"/>
+          </a:graphicData>
+        </a:graphic>
+      </p:graphicFrame>
+    </p:spTree>
+    <p:extLst>
+      <p:ext uri="{BB962C8B-B14F-4D97-AF65-F5344CB8AC3E}">
+        <p14:creationId xmlns:p14="http://schemas.microsoft.com/office/powerpoint/2010/main" val="2384874842"/>
       </p:ext>
     </p:extLst>
   </p:cSld>
